--- a/Report 2 Weka Assignment/Weka Tutorial Slides/Section 5. Cluster analysis, association analysis and text mining in Weka/4. Text mining.pptx
+++ b/Report 2 Weka Assignment/Weka Tutorial Slides/Section 5. Cluster analysis, association analysis and text mining in Weka/4. Text mining.pptx
@@ -11,30 +11,13 @@
     <p:sldId id="281" r:id="rId5"/>
     <p:sldId id="282" r:id="rId6"/>
     <p:sldId id="283" r:id="rId7"/>
-    <p:sldId id="284" r:id="rId8"/>
-    <p:sldId id="285" r:id="rId9"/>
-    <p:sldId id="286" r:id="rId10"/>
-    <p:sldId id="287" r:id="rId11"/>
-    <p:sldId id="288" r:id="rId12"/>
-    <p:sldId id="289" r:id="rId13"/>
-    <p:sldId id="290" r:id="rId14"/>
-    <p:sldId id="291" r:id="rId15"/>
-    <p:sldId id="292" r:id="rId16"/>
-    <p:sldId id="293" r:id="rId17"/>
-    <p:sldId id="294" r:id="rId18"/>
-    <p:sldId id="295" r:id="rId19"/>
-    <p:sldId id="296" r:id="rId20"/>
-    <p:sldId id="297" r:id="rId21"/>
-    <p:sldId id="298" r:id="rId22"/>
-    <p:sldId id="299" r:id="rId23"/>
-    <p:sldId id="300" r:id="rId24"/>
-    <p:sldId id="301" r:id="rId25"/>
-    <p:sldId id="302" r:id="rId26"/>
-    <p:sldId id="303" r:id="rId27"/>
-    <p:sldId id="304" r:id="rId28"/>
-    <p:sldId id="305" r:id="rId29"/>
-    <p:sldId id="306" r:id="rId30"/>
-    <p:sldId id="307" r:id="rId31"/>
+    <p:sldId id="308" r:id="rId8"/>
+    <p:sldId id="284" r:id="rId9"/>
+    <p:sldId id="285" r:id="rId10"/>
+    <p:sldId id="286" r:id="rId11"/>
+    <p:sldId id="287" r:id="rId12"/>
+    <p:sldId id="288" r:id="rId13"/>
+    <p:sldId id="289" r:id="rId14"/>
   </p:sldIdLst>
   <p:sldSz cx="12192000" cy="6858000"/>
   <p:notesSz cx="6858000" cy="9144000"/>
@@ -290,7 +273,7 @@
           <a:p>
             <a:fld id="{93E77F30-C913-4951-B471-158681376DA3}" type="datetimeFigureOut">
               <a:rPr lang="en-FI" smtClean="0"/>
-              <a:t>19/03/2024</a:t>
+              <a:t>06/04/2024</a:t>
             </a:fld>
             <a:endParaRPr lang="en-FI"/>
           </a:p>
@@ -490,7 +473,7 @@
           <a:p>
             <a:fld id="{93E77F30-C913-4951-B471-158681376DA3}" type="datetimeFigureOut">
               <a:rPr lang="en-FI" smtClean="0"/>
-              <a:t>19/03/2024</a:t>
+              <a:t>06/04/2024</a:t>
             </a:fld>
             <a:endParaRPr lang="en-FI"/>
           </a:p>
@@ -700,7 +683,7 @@
           <a:p>
             <a:fld id="{93E77F30-C913-4951-B471-158681376DA3}" type="datetimeFigureOut">
               <a:rPr lang="en-FI" smtClean="0"/>
-              <a:t>19/03/2024</a:t>
+              <a:t>06/04/2024</a:t>
             </a:fld>
             <a:endParaRPr lang="en-FI"/>
           </a:p>
@@ -900,7 +883,7 @@
           <a:p>
             <a:fld id="{93E77F30-C913-4951-B471-158681376DA3}" type="datetimeFigureOut">
               <a:rPr lang="en-FI" smtClean="0"/>
-              <a:t>19/03/2024</a:t>
+              <a:t>06/04/2024</a:t>
             </a:fld>
             <a:endParaRPr lang="en-FI"/>
           </a:p>
@@ -1176,7 +1159,7 @@
           <a:p>
             <a:fld id="{93E77F30-C913-4951-B471-158681376DA3}" type="datetimeFigureOut">
               <a:rPr lang="en-FI" smtClean="0"/>
-              <a:t>19/03/2024</a:t>
+              <a:t>06/04/2024</a:t>
             </a:fld>
             <a:endParaRPr lang="en-FI"/>
           </a:p>
@@ -1444,7 +1427,7 @@
           <a:p>
             <a:fld id="{93E77F30-C913-4951-B471-158681376DA3}" type="datetimeFigureOut">
               <a:rPr lang="en-FI" smtClean="0"/>
-              <a:t>19/03/2024</a:t>
+              <a:t>06/04/2024</a:t>
             </a:fld>
             <a:endParaRPr lang="en-FI"/>
           </a:p>
@@ -1859,7 +1842,7 @@
           <a:p>
             <a:fld id="{93E77F30-C913-4951-B471-158681376DA3}" type="datetimeFigureOut">
               <a:rPr lang="en-FI" smtClean="0"/>
-              <a:t>19/03/2024</a:t>
+              <a:t>06/04/2024</a:t>
             </a:fld>
             <a:endParaRPr lang="en-FI"/>
           </a:p>
@@ -2001,7 +1984,7 @@
           <a:p>
             <a:fld id="{93E77F30-C913-4951-B471-158681376DA3}" type="datetimeFigureOut">
               <a:rPr lang="en-FI" smtClean="0"/>
-              <a:t>19/03/2024</a:t>
+              <a:t>06/04/2024</a:t>
             </a:fld>
             <a:endParaRPr lang="en-FI"/>
           </a:p>
@@ -2114,7 +2097,7 @@
           <a:p>
             <a:fld id="{93E77F30-C913-4951-B471-158681376DA3}" type="datetimeFigureOut">
               <a:rPr lang="en-FI" smtClean="0"/>
-              <a:t>19/03/2024</a:t>
+              <a:t>06/04/2024</a:t>
             </a:fld>
             <a:endParaRPr lang="en-FI"/>
           </a:p>
@@ -2427,7 +2410,7 @@
           <a:p>
             <a:fld id="{93E77F30-C913-4951-B471-158681376DA3}" type="datetimeFigureOut">
               <a:rPr lang="en-FI" smtClean="0"/>
-              <a:t>19/03/2024</a:t>
+              <a:t>06/04/2024</a:t>
             </a:fld>
             <a:endParaRPr lang="en-FI"/>
           </a:p>
@@ -2716,7 +2699,7 @@
           <a:p>
             <a:fld id="{93E77F30-C913-4951-B471-158681376DA3}" type="datetimeFigureOut">
               <a:rPr lang="en-FI" smtClean="0"/>
-              <a:t>19/03/2024</a:t>
+              <a:t>06/04/2024</a:t>
             </a:fld>
             <a:endParaRPr lang="en-FI"/>
           </a:p>
@@ -2959,7 +2942,7 @@
           <a:p>
             <a:fld id="{93E77F30-C913-4951-B471-158681376DA3}" type="datetimeFigureOut">
               <a:rPr lang="en-FI" smtClean="0"/>
-              <a:t>19/03/2024</a:t>
+              <a:t>06/04/2024</a:t>
             </a:fld>
             <a:endParaRPr lang="en-FI"/>
           </a:p>
@@ -3382,6 +3365,36 @@
           <a:chExt cx="0" cy="0"/>
         </a:xfrm>
       </p:grpSpPr>
+      <p:pic>
+        <p:nvPicPr>
+          <p:cNvPr id="2" name="Picture 1">
+            <a:extLst>
+              <a:ext uri="{FF2B5EF4-FFF2-40B4-BE49-F238E27FC236}">
+                <a16:creationId xmlns:a16="http://schemas.microsoft.com/office/drawing/2014/main" id="{E26A7CC1-A7F7-32CA-CEF3-50EC12DD6931}"/>
+              </a:ext>
+            </a:extLst>
+          </p:cNvPr>
+          <p:cNvPicPr>
+            <a:picLocks noChangeAspect="1"/>
+          </p:cNvPicPr>
+          <p:nvPr/>
+        </p:nvPicPr>
+        <p:blipFill>
+          <a:blip r:embed="rId2"/>
+          <a:stretch>
+            <a:fillRect/>
+          </a:stretch>
+        </p:blipFill>
+        <p:spPr>
+          <a:xfrm>
+            <a:off x="0" y="236367"/>
+            <a:ext cx="12192000" cy="6385266"/>
+          </a:xfrm>
+          <a:prstGeom prst="rect">
+            <a:avLst/>
+          </a:prstGeom>
+        </p:spPr>
+      </p:pic>
     </p:spTree>
     <p:extLst>
       <p:ext uri="{BB962C8B-B14F-4D97-AF65-F5344CB8AC3E}">
@@ -3418,10 +3431,40 @@
           <a:chExt cx="0" cy="0"/>
         </a:xfrm>
       </p:grpSpPr>
+      <p:pic>
+        <p:nvPicPr>
+          <p:cNvPr id="2" name="Picture 1">
+            <a:extLst>
+              <a:ext uri="{FF2B5EF4-FFF2-40B4-BE49-F238E27FC236}">
+                <a16:creationId xmlns:a16="http://schemas.microsoft.com/office/drawing/2014/main" id="{C19220EA-FFBD-09A6-2B8D-A9FFBC0CF4AF}"/>
+              </a:ext>
+            </a:extLst>
+          </p:cNvPr>
+          <p:cNvPicPr>
+            <a:picLocks noChangeAspect="1"/>
+          </p:cNvPicPr>
+          <p:nvPr/>
+        </p:nvPicPr>
+        <p:blipFill>
+          <a:blip r:embed="rId2"/>
+          <a:stretch>
+            <a:fillRect/>
+          </a:stretch>
+        </p:blipFill>
+        <p:spPr>
+          <a:xfrm>
+            <a:off x="0" y="234667"/>
+            <a:ext cx="12192000" cy="6388665"/>
+          </a:xfrm>
+          <a:prstGeom prst="rect">
+            <a:avLst/>
+          </a:prstGeom>
+        </p:spPr>
+      </p:pic>
     </p:spTree>
     <p:extLst>
       <p:ext uri="{BB962C8B-B14F-4D97-AF65-F5344CB8AC3E}">
-        <p14:creationId xmlns:p14="http://schemas.microsoft.com/office/powerpoint/2010/main" val="1399533841"/>
+        <p14:creationId xmlns:p14="http://schemas.microsoft.com/office/powerpoint/2010/main" val="48174116"/>
       </p:ext>
     </p:extLst>
   </p:cSld>
@@ -3454,10 +3497,40 @@
           <a:chExt cx="0" cy="0"/>
         </a:xfrm>
       </p:grpSpPr>
+      <p:pic>
+        <p:nvPicPr>
+          <p:cNvPr id="2" name="Picture 1">
+            <a:extLst>
+              <a:ext uri="{FF2B5EF4-FFF2-40B4-BE49-F238E27FC236}">
+                <a16:creationId xmlns:a16="http://schemas.microsoft.com/office/drawing/2014/main" id="{6FDC34C1-90D2-E1F9-26F2-F1D043E68F1D}"/>
+              </a:ext>
+            </a:extLst>
+          </p:cNvPr>
+          <p:cNvPicPr>
+            <a:picLocks noChangeAspect="1"/>
+          </p:cNvPicPr>
+          <p:nvPr/>
+        </p:nvPicPr>
+        <p:blipFill>
+          <a:blip r:embed="rId2"/>
+          <a:stretch>
+            <a:fillRect/>
+          </a:stretch>
+        </p:blipFill>
+        <p:spPr>
+          <a:xfrm>
+            <a:off x="0" y="254519"/>
+            <a:ext cx="12192000" cy="6348961"/>
+          </a:xfrm>
+          <a:prstGeom prst="rect">
+            <a:avLst/>
+          </a:prstGeom>
+        </p:spPr>
+      </p:pic>
     </p:spTree>
     <p:extLst>
       <p:ext uri="{BB962C8B-B14F-4D97-AF65-F5344CB8AC3E}">
-        <p14:creationId xmlns:p14="http://schemas.microsoft.com/office/powerpoint/2010/main" val="1662922743"/>
+        <p14:creationId xmlns:p14="http://schemas.microsoft.com/office/powerpoint/2010/main" val="1399533841"/>
       </p:ext>
     </p:extLst>
   </p:cSld>
@@ -3490,10 +3563,40 @@
           <a:chExt cx="0" cy="0"/>
         </a:xfrm>
       </p:grpSpPr>
+      <p:pic>
+        <p:nvPicPr>
+          <p:cNvPr id="2" name="Picture 1">
+            <a:extLst>
+              <a:ext uri="{FF2B5EF4-FFF2-40B4-BE49-F238E27FC236}">
+                <a16:creationId xmlns:a16="http://schemas.microsoft.com/office/drawing/2014/main" id="{FAB958B2-9497-F717-8DCC-D73DEB69ACE4}"/>
+              </a:ext>
+            </a:extLst>
+          </p:cNvPr>
+          <p:cNvPicPr>
+            <a:picLocks noChangeAspect="1"/>
+          </p:cNvPicPr>
+          <p:nvPr/>
+        </p:nvPicPr>
+        <p:blipFill>
+          <a:blip r:embed="rId2"/>
+          <a:stretch>
+            <a:fillRect/>
+          </a:stretch>
+        </p:blipFill>
+        <p:spPr>
+          <a:xfrm>
+            <a:off x="0" y="238403"/>
+            <a:ext cx="12192000" cy="6381193"/>
+          </a:xfrm>
+          <a:prstGeom prst="rect">
+            <a:avLst/>
+          </a:prstGeom>
+        </p:spPr>
+      </p:pic>
     </p:spTree>
     <p:extLst>
       <p:ext uri="{BB962C8B-B14F-4D97-AF65-F5344CB8AC3E}">
-        <p14:creationId xmlns:p14="http://schemas.microsoft.com/office/powerpoint/2010/main" val="3042265994"/>
+        <p14:creationId xmlns:p14="http://schemas.microsoft.com/office/powerpoint/2010/main" val="1662922743"/>
       </p:ext>
     </p:extLst>
   </p:cSld>
@@ -3526,226 +3629,40 @@
           <a:chExt cx="0" cy="0"/>
         </a:xfrm>
       </p:grpSpPr>
+      <p:pic>
+        <p:nvPicPr>
+          <p:cNvPr id="2" name="Picture 1">
+            <a:extLst>
+              <a:ext uri="{FF2B5EF4-FFF2-40B4-BE49-F238E27FC236}">
+                <a16:creationId xmlns:a16="http://schemas.microsoft.com/office/drawing/2014/main" id="{DB5CC418-062C-0E00-4506-9D8657A640BB}"/>
+              </a:ext>
+            </a:extLst>
+          </p:cNvPr>
+          <p:cNvPicPr>
+            <a:picLocks noChangeAspect="1"/>
+          </p:cNvPicPr>
+          <p:nvPr/>
+        </p:nvPicPr>
+        <p:blipFill>
+          <a:blip r:embed="rId2"/>
+          <a:stretch>
+            <a:fillRect/>
+          </a:stretch>
+        </p:blipFill>
+        <p:spPr>
+          <a:xfrm>
+            <a:off x="0" y="238236"/>
+            <a:ext cx="12192000" cy="6381527"/>
+          </a:xfrm>
+          <a:prstGeom prst="rect">
+            <a:avLst/>
+          </a:prstGeom>
+        </p:spPr>
+      </p:pic>
     </p:spTree>
     <p:extLst>
       <p:ext uri="{BB962C8B-B14F-4D97-AF65-F5344CB8AC3E}">
-        <p14:creationId xmlns:p14="http://schemas.microsoft.com/office/powerpoint/2010/main" val="1415619992"/>
-      </p:ext>
-    </p:extLst>
-  </p:cSld>
-  <p:clrMapOvr>
-    <a:masterClrMapping/>
-  </p:clrMapOvr>
-</p:sld>
-</file>
-
-<file path=ppt/slides/slide14.xml><?xml version="1.0" encoding="utf-8"?>
-<p:sld xmlns:a="http://schemas.openxmlformats.org/drawingml/2006/main" xmlns:r="http://schemas.openxmlformats.org/officeDocument/2006/relationships" xmlns:p="http://schemas.openxmlformats.org/presentationml/2006/main">
-  <p:cSld>
-    <p:spTree>
-      <p:nvGrpSpPr>
-        <p:cNvPr id="1" name="">
-          <a:extLst>
-            <a:ext uri="{FF2B5EF4-FFF2-40B4-BE49-F238E27FC236}">
-              <a16:creationId xmlns:a16="http://schemas.microsoft.com/office/drawing/2014/main" id="{FC6EA96A-C46D-588D-5E65-64430F0538BB}"/>
-            </a:ext>
-          </a:extLst>
-        </p:cNvPr>
-        <p:cNvGrpSpPr/>
-        <p:nvPr/>
-      </p:nvGrpSpPr>
-      <p:grpSpPr>
-        <a:xfrm>
-          <a:off x="0" y="0"/>
-          <a:ext cx="0" cy="0"/>
-          <a:chOff x="0" y="0"/>
-          <a:chExt cx="0" cy="0"/>
-        </a:xfrm>
-      </p:grpSpPr>
-    </p:spTree>
-    <p:extLst>
-      <p:ext uri="{BB962C8B-B14F-4D97-AF65-F5344CB8AC3E}">
-        <p14:creationId xmlns:p14="http://schemas.microsoft.com/office/powerpoint/2010/main" val="1884743217"/>
-      </p:ext>
-    </p:extLst>
-  </p:cSld>
-  <p:clrMapOvr>
-    <a:masterClrMapping/>
-  </p:clrMapOvr>
-</p:sld>
-</file>
-
-<file path=ppt/slides/slide15.xml><?xml version="1.0" encoding="utf-8"?>
-<p:sld xmlns:a="http://schemas.openxmlformats.org/drawingml/2006/main" xmlns:r="http://schemas.openxmlformats.org/officeDocument/2006/relationships" xmlns:p="http://schemas.openxmlformats.org/presentationml/2006/main">
-  <p:cSld>
-    <p:spTree>
-      <p:nvGrpSpPr>
-        <p:cNvPr id="1" name="">
-          <a:extLst>
-            <a:ext uri="{FF2B5EF4-FFF2-40B4-BE49-F238E27FC236}">
-              <a16:creationId xmlns:a16="http://schemas.microsoft.com/office/drawing/2014/main" id="{FC6EA96A-C46D-588D-5E65-64430F0538BB}"/>
-            </a:ext>
-          </a:extLst>
-        </p:cNvPr>
-        <p:cNvGrpSpPr/>
-        <p:nvPr/>
-      </p:nvGrpSpPr>
-      <p:grpSpPr>
-        <a:xfrm>
-          <a:off x="0" y="0"/>
-          <a:ext cx="0" cy="0"/>
-          <a:chOff x="0" y="0"/>
-          <a:chExt cx="0" cy="0"/>
-        </a:xfrm>
-      </p:grpSpPr>
-    </p:spTree>
-    <p:extLst>
-      <p:ext uri="{BB962C8B-B14F-4D97-AF65-F5344CB8AC3E}">
-        <p14:creationId xmlns:p14="http://schemas.microsoft.com/office/powerpoint/2010/main" val="4078656512"/>
-      </p:ext>
-    </p:extLst>
-  </p:cSld>
-  <p:clrMapOvr>
-    <a:masterClrMapping/>
-  </p:clrMapOvr>
-</p:sld>
-</file>
-
-<file path=ppt/slides/slide16.xml><?xml version="1.0" encoding="utf-8"?>
-<p:sld xmlns:a="http://schemas.openxmlformats.org/drawingml/2006/main" xmlns:r="http://schemas.openxmlformats.org/officeDocument/2006/relationships" xmlns:p="http://schemas.openxmlformats.org/presentationml/2006/main">
-  <p:cSld>
-    <p:spTree>
-      <p:nvGrpSpPr>
-        <p:cNvPr id="1" name="">
-          <a:extLst>
-            <a:ext uri="{FF2B5EF4-FFF2-40B4-BE49-F238E27FC236}">
-              <a16:creationId xmlns:a16="http://schemas.microsoft.com/office/drawing/2014/main" id="{FC6EA96A-C46D-588D-5E65-64430F0538BB}"/>
-            </a:ext>
-          </a:extLst>
-        </p:cNvPr>
-        <p:cNvGrpSpPr/>
-        <p:nvPr/>
-      </p:nvGrpSpPr>
-      <p:grpSpPr>
-        <a:xfrm>
-          <a:off x="0" y="0"/>
-          <a:ext cx="0" cy="0"/>
-          <a:chOff x="0" y="0"/>
-          <a:chExt cx="0" cy="0"/>
-        </a:xfrm>
-      </p:grpSpPr>
-    </p:spTree>
-    <p:extLst>
-      <p:ext uri="{BB962C8B-B14F-4D97-AF65-F5344CB8AC3E}">
-        <p14:creationId xmlns:p14="http://schemas.microsoft.com/office/powerpoint/2010/main" val="3892588999"/>
-      </p:ext>
-    </p:extLst>
-  </p:cSld>
-  <p:clrMapOvr>
-    <a:masterClrMapping/>
-  </p:clrMapOvr>
-</p:sld>
-</file>
-
-<file path=ppt/slides/slide17.xml><?xml version="1.0" encoding="utf-8"?>
-<p:sld xmlns:a="http://schemas.openxmlformats.org/drawingml/2006/main" xmlns:r="http://schemas.openxmlformats.org/officeDocument/2006/relationships" xmlns:p="http://schemas.openxmlformats.org/presentationml/2006/main">
-  <p:cSld>
-    <p:spTree>
-      <p:nvGrpSpPr>
-        <p:cNvPr id="1" name="">
-          <a:extLst>
-            <a:ext uri="{FF2B5EF4-FFF2-40B4-BE49-F238E27FC236}">
-              <a16:creationId xmlns:a16="http://schemas.microsoft.com/office/drawing/2014/main" id="{FC6EA96A-C46D-588D-5E65-64430F0538BB}"/>
-            </a:ext>
-          </a:extLst>
-        </p:cNvPr>
-        <p:cNvGrpSpPr/>
-        <p:nvPr/>
-      </p:nvGrpSpPr>
-      <p:grpSpPr>
-        <a:xfrm>
-          <a:off x="0" y="0"/>
-          <a:ext cx="0" cy="0"/>
-          <a:chOff x="0" y="0"/>
-          <a:chExt cx="0" cy="0"/>
-        </a:xfrm>
-      </p:grpSpPr>
-    </p:spTree>
-    <p:extLst>
-      <p:ext uri="{BB962C8B-B14F-4D97-AF65-F5344CB8AC3E}">
-        <p14:creationId xmlns:p14="http://schemas.microsoft.com/office/powerpoint/2010/main" val="1870829042"/>
-      </p:ext>
-    </p:extLst>
-  </p:cSld>
-  <p:clrMapOvr>
-    <a:masterClrMapping/>
-  </p:clrMapOvr>
-</p:sld>
-</file>
-
-<file path=ppt/slides/slide18.xml><?xml version="1.0" encoding="utf-8"?>
-<p:sld xmlns:a="http://schemas.openxmlformats.org/drawingml/2006/main" xmlns:r="http://schemas.openxmlformats.org/officeDocument/2006/relationships" xmlns:p="http://schemas.openxmlformats.org/presentationml/2006/main">
-  <p:cSld>
-    <p:spTree>
-      <p:nvGrpSpPr>
-        <p:cNvPr id="1" name="">
-          <a:extLst>
-            <a:ext uri="{FF2B5EF4-FFF2-40B4-BE49-F238E27FC236}">
-              <a16:creationId xmlns:a16="http://schemas.microsoft.com/office/drawing/2014/main" id="{FC6EA96A-C46D-588D-5E65-64430F0538BB}"/>
-            </a:ext>
-          </a:extLst>
-        </p:cNvPr>
-        <p:cNvGrpSpPr/>
-        <p:nvPr/>
-      </p:nvGrpSpPr>
-      <p:grpSpPr>
-        <a:xfrm>
-          <a:off x="0" y="0"/>
-          <a:ext cx="0" cy="0"/>
-          <a:chOff x="0" y="0"/>
-          <a:chExt cx="0" cy="0"/>
-        </a:xfrm>
-      </p:grpSpPr>
-    </p:spTree>
-    <p:extLst>
-      <p:ext uri="{BB962C8B-B14F-4D97-AF65-F5344CB8AC3E}">
-        <p14:creationId xmlns:p14="http://schemas.microsoft.com/office/powerpoint/2010/main" val="3209591013"/>
-      </p:ext>
-    </p:extLst>
-  </p:cSld>
-  <p:clrMapOvr>
-    <a:masterClrMapping/>
-  </p:clrMapOvr>
-</p:sld>
-</file>
-
-<file path=ppt/slides/slide19.xml><?xml version="1.0" encoding="utf-8"?>
-<p:sld xmlns:a="http://schemas.openxmlformats.org/drawingml/2006/main" xmlns:r="http://schemas.openxmlformats.org/officeDocument/2006/relationships" xmlns:p="http://schemas.openxmlformats.org/presentationml/2006/main">
-  <p:cSld>
-    <p:spTree>
-      <p:nvGrpSpPr>
-        <p:cNvPr id="1" name="">
-          <a:extLst>
-            <a:ext uri="{FF2B5EF4-FFF2-40B4-BE49-F238E27FC236}">
-              <a16:creationId xmlns:a16="http://schemas.microsoft.com/office/drawing/2014/main" id="{FC6EA96A-C46D-588D-5E65-64430F0538BB}"/>
-            </a:ext>
-          </a:extLst>
-        </p:cNvPr>
-        <p:cNvGrpSpPr/>
-        <p:nvPr/>
-      </p:nvGrpSpPr>
-      <p:grpSpPr>
-        <a:xfrm>
-          <a:off x="0" y="0"/>
-          <a:ext cx="0" cy="0"/>
-          <a:chOff x="0" y="0"/>
-          <a:chExt cx="0" cy="0"/>
-        </a:xfrm>
-      </p:grpSpPr>
-    </p:spTree>
-    <p:extLst>
-      <p:ext uri="{BB962C8B-B14F-4D97-AF65-F5344CB8AC3E}">
-        <p14:creationId xmlns:p14="http://schemas.microsoft.com/office/powerpoint/2010/main" val="1006187151"/>
+        <p14:creationId xmlns:p14="http://schemas.microsoft.com/office/powerpoint/2010/main" val="3042265994"/>
       </p:ext>
     </p:extLst>
   </p:cSld>
@@ -3778,370 +3695,40 @@
           <a:chExt cx="0" cy="0"/>
         </a:xfrm>
       </p:grpSpPr>
+      <p:pic>
+        <p:nvPicPr>
+          <p:cNvPr id="2" name="Picture 1">
+            <a:extLst>
+              <a:ext uri="{FF2B5EF4-FFF2-40B4-BE49-F238E27FC236}">
+                <a16:creationId xmlns:a16="http://schemas.microsoft.com/office/drawing/2014/main" id="{F3F29A40-8F67-111C-D2E4-BA1337D7C75E}"/>
+              </a:ext>
+            </a:extLst>
+          </p:cNvPr>
+          <p:cNvPicPr>
+            <a:picLocks noChangeAspect="1"/>
+          </p:cNvPicPr>
+          <p:nvPr/>
+        </p:nvPicPr>
+        <p:blipFill>
+          <a:blip r:embed="rId2"/>
+          <a:stretch>
+            <a:fillRect/>
+          </a:stretch>
+        </p:blipFill>
+        <p:spPr>
+          <a:xfrm>
+            <a:off x="0" y="259793"/>
+            <a:ext cx="12192000" cy="6338414"/>
+          </a:xfrm>
+          <a:prstGeom prst="rect">
+            <a:avLst/>
+          </a:prstGeom>
+        </p:spPr>
+      </p:pic>
     </p:spTree>
     <p:extLst>
       <p:ext uri="{BB962C8B-B14F-4D97-AF65-F5344CB8AC3E}">
         <p14:creationId xmlns:p14="http://schemas.microsoft.com/office/powerpoint/2010/main" val="1719638969"/>
-      </p:ext>
-    </p:extLst>
-  </p:cSld>
-  <p:clrMapOvr>
-    <a:masterClrMapping/>
-  </p:clrMapOvr>
-</p:sld>
-</file>
-
-<file path=ppt/slides/slide20.xml><?xml version="1.0" encoding="utf-8"?>
-<p:sld xmlns:a="http://schemas.openxmlformats.org/drawingml/2006/main" xmlns:r="http://schemas.openxmlformats.org/officeDocument/2006/relationships" xmlns:p="http://schemas.openxmlformats.org/presentationml/2006/main">
-  <p:cSld>
-    <p:spTree>
-      <p:nvGrpSpPr>
-        <p:cNvPr id="1" name="">
-          <a:extLst>
-            <a:ext uri="{FF2B5EF4-FFF2-40B4-BE49-F238E27FC236}">
-              <a16:creationId xmlns:a16="http://schemas.microsoft.com/office/drawing/2014/main" id="{FC6EA96A-C46D-588D-5E65-64430F0538BB}"/>
-            </a:ext>
-          </a:extLst>
-        </p:cNvPr>
-        <p:cNvGrpSpPr/>
-        <p:nvPr/>
-      </p:nvGrpSpPr>
-      <p:grpSpPr>
-        <a:xfrm>
-          <a:off x="0" y="0"/>
-          <a:ext cx="0" cy="0"/>
-          <a:chOff x="0" y="0"/>
-          <a:chExt cx="0" cy="0"/>
-        </a:xfrm>
-      </p:grpSpPr>
-    </p:spTree>
-    <p:extLst>
-      <p:ext uri="{BB962C8B-B14F-4D97-AF65-F5344CB8AC3E}">
-        <p14:creationId xmlns:p14="http://schemas.microsoft.com/office/powerpoint/2010/main" val="2352267711"/>
-      </p:ext>
-    </p:extLst>
-  </p:cSld>
-  <p:clrMapOvr>
-    <a:masterClrMapping/>
-  </p:clrMapOvr>
-</p:sld>
-</file>
-
-<file path=ppt/slides/slide21.xml><?xml version="1.0" encoding="utf-8"?>
-<p:sld xmlns:a="http://schemas.openxmlformats.org/drawingml/2006/main" xmlns:r="http://schemas.openxmlformats.org/officeDocument/2006/relationships" xmlns:p="http://schemas.openxmlformats.org/presentationml/2006/main">
-  <p:cSld>
-    <p:spTree>
-      <p:nvGrpSpPr>
-        <p:cNvPr id="1" name="">
-          <a:extLst>
-            <a:ext uri="{FF2B5EF4-FFF2-40B4-BE49-F238E27FC236}">
-              <a16:creationId xmlns:a16="http://schemas.microsoft.com/office/drawing/2014/main" id="{FC6EA96A-C46D-588D-5E65-64430F0538BB}"/>
-            </a:ext>
-          </a:extLst>
-        </p:cNvPr>
-        <p:cNvGrpSpPr/>
-        <p:nvPr/>
-      </p:nvGrpSpPr>
-      <p:grpSpPr>
-        <a:xfrm>
-          <a:off x="0" y="0"/>
-          <a:ext cx="0" cy="0"/>
-          <a:chOff x="0" y="0"/>
-          <a:chExt cx="0" cy="0"/>
-        </a:xfrm>
-      </p:grpSpPr>
-    </p:spTree>
-    <p:extLst>
-      <p:ext uri="{BB962C8B-B14F-4D97-AF65-F5344CB8AC3E}">
-        <p14:creationId xmlns:p14="http://schemas.microsoft.com/office/powerpoint/2010/main" val="4270204272"/>
-      </p:ext>
-    </p:extLst>
-  </p:cSld>
-  <p:clrMapOvr>
-    <a:masterClrMapping/>
-  </p:clrMapOvr>
-</p:sld>
-</file>
-
-<file path=ppt/slides/slide22.xml><?xml version="1.0" encoding="utf-8"?>
-<p:sld xmlns:a="http://schemas.openxmlformats.org/drawingml/2006/main" xmlns:r="http://schemas.openxmlformats.org/officeDocument/2006/relationships" xmlns:p="http://schemas.openxmlformats.org/presentationml/2006/main">
-  <p:cSld>
-    <p:spTree>
-      <p:nvGrpSpPr>
-        <p:cNvPr id="1" name="">
-          <a:extLst>
-            <a:ext uri="{FF2B5EF4-FFF2-40B4-BE49-F238E27FC236}">
-              <a16:creationId xmlns:a16="http://schemas.microsoft.com/office/drawing/2014/main" id="{FC6EA96A-C46D-588D-5E65-64430F0538BB}"/>
-            </a:ext>
-          </a:extLst>
-        </p:cNvPr>
-        <p:cNvGrpSpPr/>
-        <p:nvPr/>
-      </p:nvGrpSpPr>
-      <p:grpSpPr>
-        <a:xfrm>
-          <a:off x="0" y="0"/>
-          <a:ext cx="0" cy="0"/>
-          <a:chOff x="0" y="0"/>
-          <a:chExt cx="0" cy="0"/>
-        </a:xfrm>
-      </p:grpSpPr>
-    </p:spTree>
-    <p:extLst>
-      <p:ext uri="{BB962C8B-B14F-4D97-AF65-F5344CB8AC3E}">
-        <p14:creationId xmlns:p14="http://schemas.microsoft.com/office/powerpoint/2010/main" val="3936020293"/>
-      </p:ext>
-    </p:extLst>
-  </p:cSld>
-  <p:clrMapOvr>
-    <a:masterClrMapping/>
-  </p:clrMapOvr>
-</p:sld>
-</file>
-
-<file path=ppt/slides/slide23.xml><?xml version="1.0" encoding="utf-8"?>
-<p:sld xmlns:a="http://schemas.openxmlformats.org/drawingml/2006/main" xmlns:r="http://schemas.openxmlformats.org/officeDocument/2006/relationships" xmlns:p="http://schemas.openxmlformats.org/presentationml/2006/main">
-  <p:cSld>
-    <p:spTree>
-      <p:nvGrpSpPr>
-        <p:cNvPr id="1" name="">
-          <a:extLst>
-            <a:ext uri="{FF2B5EF4-FFF2-40B4-BE49-F238E27FC236}">
-              <a16:creationId xmlns:a16="http://schemas.microsoft.com/office/drawing/2014/main" id="{FC6EA96A-C46D-588D-5E65-64430F0538BB}"/>
-            </a:ext>
-          </a:extLst>
-        </p:cNvPr>
-        <p:cNvGrpSpPr/>
-        <p:nvPr/>
-      </p:nvGrpSpPr>
-      <p:grpSpPr>
-        <a:xfrm>
-          <a:off x="0" y="0"/>
-          <a:ext cx="0" cy="0"/>
-          <a:chOff x="0" y="0"/>
-          <a:chExt cx="0" cy="0"/>
-        </a:xfrm>
-      </p:grpSpPr>
-    </p:spTree>
-    <p:extLst>
-      <p:ext uri="{BB962C8B-B14F-4D97-AF65-F5344CB8AC3E}">
-        <p14:creationId xmlns:p14="http://schemas.microsoft.com/office/powerpoint/2010/main" val="2149769742"/>
-      </p:ext>
-    </p:extLst>
-  </p:cSld>
-  <p:clrMapOvr>
-    <a:masterClrMapping/>
-  </p:clrMapOvr>
-</p:sld>
-</file>
-
-<file path=ppt/slides/slide24.xml><?xml version="1.0" encoding="utf-8"?>
-<p:sld xmlns:a="http://schemas.openxmlformats.org/drawingml/2006/main" xmlns:r="http://schemas.openxmlformats.org/officeDocument/2006/relationships" xmlns:p="http://schemas.openxmlformats.org/presentationml/2006/main">
-  <p:cSld>
-    <p:spTree>
-      <p:nvGrpSpPr>
-        <p:cNvPr id="1" name="">
-          <a:extLst>
-            <a:ext uri="{FF2B5EF4-FFF2-40B4-BE49-F238E27FC236}">
-              <a16:creationId xmlns:a16="http://schemas.microsoft.com/office/drawing/2014/main" id="{FC6EA96A-C46D-588D-5E65-64430F0538BB}"/>
-            </a:ext>
-          </a:extLst>
-        </p:cNvPr>
-        <p:cNvGrpSpPr/>
-        <p:nvPr/>
-      </p:nvGrpSpPr>
-      <p:grpSpPr>
-        <a:xfrm>
-          <a:off x="0" y="0"/>
-          <a:ext cx="0" cy="0"/>
-          <a:chOff x="0" y="0"/>
-          <a:chExt cx="0" cy="0"/>
-        </a:xfrm>
-      </p:grpSpPr>
-    </p:spTree>
-    <p:extLst>
-      <p:ext uri="{BB962C8B-B14F-4D97-AF65-F5344CB8AC3E}">
-        <p14:creationId xmlns:p14="http://schemas.microsoft.com/office/powerpoint/2010/main" val="241357418"/>
-      </p:ext>
-    </p:extLst>
-  </p:cSld>
-  <p:clrMapOvr>
-    <a:masterClrMapping/>
-  </p:clrMapOvr>
-</p:sld>
-</file>
-
-<file path=ppt/slides/slide25.xml><?xml version="1.0" encoding="utf-8"?>
-<p:sld xmlns:a="http://schemas.openxmlformats.org/drawingml/2006/main" xmlns:r="http://schemas.openxmlformats.org/officeDocument/2006/relationships" xmlns:p="http://schemas.openxmlformats.org/presentationml/2006/main">
-  <p:cSld>
-    <p:spTree>
-      <p:nvGrpSpPr>
-        <p:cNvPr id="1" name="">
-          <a:extLst>
-            <a:ext uri="{FF2B5EF4-FFF2-40B4-BE49-F238E27FC236}">
-              <a16:creationId xmlns:a16="http://schemas.microsoft.com/office/drawing/2014/main" id="{FC6EA96A-C46D-588D-5E65-64430F0538BB}"/>
-            </a:ext>
-          </a:extLst>
-        </p:cNvPr>
-        <p:cNvGrpSpPr/>
-        <p:nvPr/>
-      </p:nvGrpSpPr>
-      <p:grpSpPr>
-        <a:xfrm>
-          <a:off x="0" y="0"/>
-          <a:ext cx="0" cy="0"/>
-          <a:chOff x="0" y="0"/>
-          <a:chExt cx="0" cy="0"/>
-        </a:xfrm>
-      </p:grpSpPr>
-    </p:spTree>
-    <p:extLst>
-      <p:ext uri="{BB962C8B-B14F-4D97-AF65-F5344CB8AC3E}">
-        <p14:creationId xmlns:p14="http://schemas.microsoft.com/office/powerpoint/2010/main" val="3657499615"/>
-      </p:ext>
-    </p:extLst>
-  </p:cSld>
-  <p:clrMapOvr>
-    <a:masterClrMapping/>
-  </p:clrMapOvr>
-</p:sld>
-</file>
-
-<file path=ppt/slides/slide26.xml><?xml version="1.0" encoding="utf-8"?>
-<p:sld xmlns:a="http://schemas.openxmlformats.org/drawingml/2006/main" xmlns:r="http://schemas.openxmlformats.org/officeDocument/2006/relationships" xmlns:p="http://schemas.openxmlformats.org/presentationml/2006/main">
-  <p:cSld>
-    <p:spTree>
-      <p:nvGrpSpPr>
-        <p:cNvPr id="1" name="">
-          <a:extLst>
-            <a:ext uri="{FF2B5EF4-FFF2-40B4-BE49-F238E27FC236}">
-              <a16:creationId xmlns:a16="http://schemas.microsoft.com/office/drawing/2014/main" id="{FC6EA96A-C46D-588D-5E65-64430F0538BB}"/>
-            </a:ext>
-          </a:extLst>
-        </p:cNvPr>
-        <p:cNvGrpSpPr/>
-        <p:nvPr/>
-      </p:nvGrpSpPr>
-      <p:grpSpPr>
-        <a:xfrm>
-          <a:off x="0" y="0"/>
-          <a:ext cx="0" cy="0"/>
-          <a:chOff x="0" y="0"/>
-          <a:chExt cx="0" cy="0"/>
-        </a:xfrm>
-      </p:grpSpPr>
-    </p:spTree>
-    <p:extLst>
-      <p:ext uri="{BB962C8B-B14F-4D97-AF65-F5344CB8AC3E}">
-        <p14:creationId xmlns:p14="http://schemas.microsoft.com/office/powerpoint/2010/main" val="3365481895"/>
-      </p:ext>
-    </p:extLst>
-  </p:cSld>
-  <p:clrMapOvr>
-    <a:masterClrMapping/>
-  </p:clrMapOvr>
-</p:sld>
-</file>
-
-<file path=ppt/slides/slide27.xml><?xml version="1.0" encoding="utf-8"?>
-<p:sld xmlns:a="http://schemas.openxmlformats.org/drawingml/2006/main" xmlns:r="http://schemas.openxmlformats.org/officeDocument/2006/relationships" xmlns:p="http://schemas.openxmlformats.org/presentationml/2006/main">
-  <p:cSld>
-    <p:spTree>
-      <p:nvGrpSpPr>
-        <p:cNvPr id="1" name="">
-          <a:extLst>
-            <a:ext uri="{FF2B5EF4-FFF2-40B4-BE49-F238E27FC236}">
-              <a16:creationId xmlns:a16="http://schemas.microsoft.com/office/drawing/2014/main" id="{FC6EA96A-C46D-588D-5E65-64430F0538BB}"/>
-            </a:ext>
-          </a:extLst>
-        </p:cNvPr>
-        <p:cNvGrpSpPr/>
-        <p:nvPr/>
-      </p:nvGrpSpPr>
-      <p:grpSpPr>
-        <a:xfrm>
-          <a:off x="0" y="0"/>
-          <a:ext cx="0" cy="0"/>
-          <a:chOff x="0" y="0"/>
-          <a:chExt cx="0" cy="0"/>
-        </a:xfrm>
-      </p:grpSpPr>
-    </p:spTree>
-    <p:extLst>
-      <p:ext uri="{BB962C8B-B14F-4D97-AF65-F5344CB8AC3E}">
-        <p14:creationId xmlns:p14="http://schemas.microsoft.com/office/powerpoint/2010/main" val="3465658490"/>
-      </p:ext>
-    </p:extLst>
-  </p:cSld>
-  <p:clrMapOvr>
-    <a:masterClrMapping/>
-  </p:clrMapOvr>
-</p:sld>
-</file>
-
-<file path=ppt/slides/slide28.xml><?xml version="1.0" encoding="utf-8"?>
-<p:sld xmlns:a="http://schemas.openxmlformats.org/drawingml/2006/main" xmlns:r="http://schemas.openxmlformats.org/officeDocument/2006/relationships" xmlns:p="http://schemas.openxmlformats.org/presentationml/2006/main">
-  <p:cSld>
-    <p:spTree>
-      <p:nvGrpSpPr>
-        <p:cNvPr id="1" name="">
-          <a:extLst>
-            <a:ext uri="{FF2B5EF4-FFF2-40B4-BE49-F238E27FC236}">
-              <a16:creationId xmlns:a16="http://schemas.microsoft.com/office/drawing/2014/main" id="{FC6EA96A-C46D-588D-5E65-64430F0538BB}"/>
-            </a:ext>
-          </a:extLst>
-        </p:cNvPr>
-        <p:cNvGrpSpPr/>
-        <p:nvPr/>
-      </p:nvGrpSpPr>
-      <p:grpSpPr>
-        <a:xfrm>
-          <a:off x="0" y="0"/>
-          <a:ext cx="0" cy="0"/>
-          <a:chOff x="0" y="0"/>
-          <a:chExt cx="0" cy="0"/>
-        </a:xfrm>
-      </p:grpSpPr>
-    </p:spTree>
-    <p:extLst>
-      <p:ext uri="{BB962C8B-B14F-4D97-AF65-F5344CB8AC3E}">
-        <p14:creationId xmlns:p14="http://schemas.microsoft.com/office/powerpoint/2010/main" val="1546841529"/>
-      </p:ext>
-    </p:extLst>
-  </p:cSld>
-  <p:clrMapOvr>
-    <a:masterClrMapping/>
-  </p:clrMapOvr>
-</p:sld>
-</file>
-
-<file path=ppt/slides/slide29.xml><?xml version="1.0" encoding="utf-8"?>
-<p:sld xmlns:a="http://schemas.openxmlformats.org/drawingml/2006/main" xmlns:r="http://schemas.openxmlformats.org/officeDocument/2006/relationships" xmlns:p="http://schemas.openxmlformats.org/presentationml/2006/main">
-  <p:cSld>
-    <p:spTree>
-      <p:nvGrpSpPr>
-        <p:cNvPr id="1" name="">
-          <a:extLst>
-            <a:ext uri="{FF2B5EF4-FFF2-40B4-BE49-F238E27FC236}">
-              <a16:creationId xmlns:a16="http://schemas.microsoft.com/office/drawing/2014/main" id="{FC6EA96A-C46D-588D-5E65-64430F0538BB}"/>
-            </a:ext>
-          </a:extLst>
-        </p:cNvPr>
-        <p:cNvGrpSpPr/>
-        <p:nvPr/>
-      </p:nvGrpSpPr>
-      <p:grpSpPr>
-        <a:xfrm>
-          <a:off x="0" y="0"/>
-          <a:ext cx="0" cy="0"/>
-          <a:chOff x="0" y="0"/>
-          <a:chExt cx="0" cy="0"/>
-        </a:xfrm>
-      </p:grpSpPr>
-    </p:spTree>
-    <p:extLst>
-      <p:ext uri="{BB962C8B-B14F-4D97-AF65-F5344CB8AC3E}">
-        <p14:creationId xmlns:p14="http://schemas.microsoft.com/office/powerpoint/2010/main" val="3756898028"/>
       </p:ext>
     </p:extLst>
   </p:cSld>
@@ -4174,46 +3761,40 @@
           <a:chExt cx="0" cy="0"/>
         </a:xfrm>
       </p:grpSpPr>
+      <p:pic>
+        <p:nvPicPr>
+          <p:cNvPr id="2" name="Picture 1">
+            <a:extLst>
+              <a:ext uri="{FF2B5EF4-FFF2-40B4-BE49-F238E27FC236}">
+                <a16:creationId xmlns:a16="http://schemas.microsoft.com/office/drawing/2014/main" id="{352EC0AF-AF08-6066-8F75-84DDB893F926}"/>
+              </a:ext>
+            </a:extLst>
+          </p:cNvPr>
+          <p:cNvPicPr>
+            <a:picLocks noChangeAspect="1"/>
+          </p:cNvPicPr>
+          <p:nvPr/>
+        </p:nvPicPr>
+        <p:blipFill>
+          <a:blip r:embed="rId2"/>
+          <a:stretch>
+            <a:fillRect/>
+          </a:stretch>
+        </p:blipFill>
+        <p:spPr>
+          <a:xfrm>
+            <a:off x="0" y="225653"/>
+            <a:ext cx="12192000" cy="6406693"/>
+          </a:xfrm>
+          <a:prstGeom prst="rect">
+            <a:avLst/>
+          </a:prstGeom>
+        </p:spPr>
+      </p:pic>
     </p:spTree>
     <p:extLst>
       <p:ext uri="{BB962C8B-B14F-4D97-AF65-F5344CB8AC3E}">
         <p14:creationId xmlns:p14="http://schemas.microsoft.com/office/powerpoint/2010/main" val="1837522681"/>
-      </p:ext>
-    </p:extLst>
-  </p:cSld>
-  <p:clrMapOvr>
-    <a:masterClrMapping/>
-  </p:clrMapOvr>
-</p:sld>
-</file>
-
-<file path=ppt/slides/slide30.xml><?xml version="1.0" encoding="utf-8"?>
-<p:sld xmlns:a="http://schemas.openxmlformats.org/drawingml/2006/main" xmlns:r="http://schemas.openxmlformats.org/officeDocument/2006/relationships" xmlns:p="http://schemas.openxmlformats.org/presentationml/2006/main">
-  <p:cSld>
-    <p:spTree>
-      <p:nvGrpSpPr>
-        <p:cNvPr id="1" name="">
-          <a:extLst>
-            <a:ext uri="{FF2B5EF4-FFF2-40B4-BE49-F238E27FC236}">
-              <a16:creationId xmlns:a16="http://schemas.microsoft.com/office/drawing/2014/main" id="{FC6EA96A-C46D-588D-5E65-64430F0538BB}"/>
-            </a:ext>
-          </a:extLst>
-        </p:cNvPr>
-        <p:cNvGrpSpPr/>
-        <p:nvPr/>
-      </p:nvGrpSpPr>
-      <p:grpSpPr>
-        <a:xfrm>
-          <a:off x="0" y="0"/>
-          <a:ext cx="0" cy="0"/>
-          <a:chOff x="0" y="0"/>
-          <a:chExt cx="0" cy="0"/>
-        </a:xfrm>
-      </p:grpSpPr>
-    </p:spTree>
-    <p:extLst>
-      <p:ext uri="{BB962C8B-B14F-4D97-AF65-F5344CB8AC3E}">
-        <p14:creationId xmlns:p14="http://schemas.microsoft.com/office/powerpoint/2010/main" val="2427473524"/>
       </p:ext>
     </p:extLst>
   </p:cSld>
@@ -4246,6 +3827,36 @@
           <a:chExt cx="0" cy="0"/>
         </a:xfrm>
       </p:grpSpPr>
+      <p:pic>
+        <p:nvPicPr>
+          <p:cNvPr id="2" name="Picture 1">
+            <a:extLst>
+              <a:ext uri="{FF2B5EF4-FFF2-40B4-BE49-F238E27FC236}">
+                <a16:creationId xmlns:a16="http://schemas.microsoft.com/office/drawing/2014/main" id="{F784B89E-A004-F150-BFD4-8A61F732A933}"/>
+              </a:ext>
+            </a:extLst>
+          </p:cNvPr>
+          <p:cNvPicPr>
+            <a:picLocks noChangeAspect="1"/>
+          </p:cNvPicPr>
+          <p:nvPr/>
+        </p:nvPicPr>
+        <p:blipFill>
+          <a:blip r:embed="rId2"/>
+          <a:stretch>
+            <a:fillRect/>
+          </a:stretch>
+        </p:blipFill>
+        <p:spPr>
+          <a:xfrm>
+            <a:off x="0" y="236536"/>
+            <a:ext cx="12192000" cy="6384927"/>
+          </a:xfrm>
+          <a:prstGeom prst="rect">
+            <a:avLst/>
+          </a:prstGeom>
+        </p:spPr>
+      </p:pic>
     </p:spTree>
     <p:extLst>
       <p:ext uri="{BB962C8B-B14F-4D97-AF65-F5344CB8AC3E}">
@@ -4282,6 +3893,36 @@
           <a:chExt cx="0" cy="0"/>
         </a:xfrm>
       </p:grpSpPr>
+      <p:pic>
+        <p:nvPicPr>
+          <p:cNvPr id="2" name="Picture 1">
+            <a:extLst>
+              <a:ext uri="{FF2B5EF4-FFF2-40B4-BE49-F238E27FC236}">
+                <a16:creationId xmlns:a16="http://schemas.microsoft.com/office/drawing/2014/main" id="{C2908C49-0106-01B4-7E8C-185C7B24EF88}"/>
+              </a:ext>
+            </a:extLst>
+          </p:cNvPr>
+          <p:cNvPicPr>
+            <a:picLocks noChangeAspect="1"/>
+          </p:cNvPicPr>
+          <p:nvPr/>
+        </p:nvPicPr>
+        <p:blipFill>
+          <a:blip r:embed="rId2"/>
+          <a:stretch>
+            <a:fillRect/>
+          </a:stretch>
+        </p:blipFill>
+        <p:spPr>
+          <a:xfrm>
+            <a:off x="0" y="252513"/>
+            <a:ext cx="12192000" cy="6352974"/>
+          </a:xfrm>
+          <a:prstGeom prst="rect">
+            <a:avLst/>
+          </a:prstGeom>
+        </p:spPr>
+      </p:pic>
     </p:spTree>
     <p:extLst>
       <p:ext uri="{BB962C8B-B14F-4D97-AF65-F5344CB8AC3E}">
@@ -4318,6 +3959,36 @@
           <a:chExt cx="0" cy="0"/>
         </a:xfrm>
       </p:grpSpPr>
+      <p:pic>
+        <p:nvPicPr>
+          <p:cNvPr id="2" name="Picture 1">
+            <a:extLst>
+              <a:ext uri="{FF2B5EF4-FFF2-40B4-BE49-F238E27FC236}">
+                <a16:creationId xmlns:a16="http://schemas.microsoft.com/office/drawing/2014/main" id="{92072EF4-7908-4341-93AD-05B8576E90A8}"/>
+              </a:ext>
+            </a:extLst>
+          </p:cNvPr>
+          <p:cNvPicPr>
+            <a:picLocks noChangeAspect="1"/>
+          </p:cNvPicPr>
+          <p:nvPr/>
+        </p:nvPicPr>
+        <p:blipFill>
+          <a:blip r:embed="rId2"/>
+          <a:stretch>
+            <a:fillRect/>
+          </a:stretch>
+        </p:blipFill>
+        <p:spPr>
+          <a:xfrm>
+            <a:off x="0" y="73025"/>
+            <a:ext cx="12192000" cy="6711950"/>
+          </a:xfrm>
+          <a:prstGeom prst="rect">
+            <a:avLst/>
+          </a:prstGeom>
+        </p:spPr>
+      </p:pic>
     </p:spTree>
     <p:extLst>
       <p:ext uri="{BB962C8B-B14F-4D97-AF65-F5344CB8AC3E}">
@@ -4336,13 +4007,7 @@
   <p:cSld>
     <p:spTree>
       <p:nvGrpSpPr>
-        <p:cNvPr id="1" name="">
-          <a:extLst>
-            <a:ext uri="{FF2B5EF4-FFF2-40B4-BE49-F238E27FC236}">
-              <a16:creationId xmlns:a16="http://schemas.microsoft.com/office/drawing/2014/main" id="{FC6EA96A-C46D-588D-5E65-64430F0538BB}"/>
-            </a:ext>
-          </a:extLst>
-        </p:cNvPr>
+        <p:cNvPr id="1" name=""/>
         <p:cNvGrpSpPr/>
         <p:nvPr/>
       </p:nvGrpSpPr>
@@ -4354,10 +4019,90 @@
           <a:chExt cx="0" cy="0"/>
         </a:xfrm>
       </p:grpSpPr>
+      <p:sp>
+        <p:nvSpPr>
+          <p:cNvPr id="2" name="Title 1">
+            <a:extLst>
+              <a:ext uri="{FF2B5EF4-FFF2-40B4-BE49-F238E27FC236}">
+                <a16:creationId xmlns:a16="http://schemas.microsoft.com/office/drawing/2014/main" id="{2230E5AC-A64B-0E04-266B-3519F8CBE836}"/>
+              </a:ext>
+            </a:extLst>
+          </p:cNvPr>
+          <p:cNvSpPr>
+            <a:spLocks noGrp="1"/>
+          </p:cNvSpPr>
+          <p:nvPr>
+            <p:ph type="title"/>
+          </p:nvPr>
+        </p:nvSpPr>
+        <p:spPr/>
+        <p:txBody>
+          <a:bodyPr/>
+          <a:lstStyle/>
+          <a:p>
+            <a:endParaRPr lang="en-FI"/>
+          </a:p>
+        </p:txBody>
+      </p:sp>
+      <p:sp>
+        <p:nvSpPr>
+          <p:cNvPr id="3" name="Content Placeholder 2">
+            <a:extLst>
+              <a:ext uri="{FF2B5EF4-FFF2-40B4-BE49-F238E27FC236}">
+                <a16:creationId xmlns:a16="http://schemas.microsoft.com/office/drawing/2014/main" id="{4FEEA158-A332-5DD5-A365-44A91E8AFC2B}"/>
+              </a:ext>
+            </a:extLst>
+          </p:cNvPr>
+          <p:cNvSpPr>
+            <a:spLocks noGrp="1"/>
+          </p:cNvSpPr>
+          <p:nvPr>
+            <p:ph idx="1"/>
+          </p:nvPr>
+        </p:nvSpPr>
+        <p:spPr/>
+        <p:txBody>
+          <a:bodyPr/>
+          <a:lstStyle/>
+          <a:p>
+            <a:endParaRPr lang="en-FI"/>
+          </a:p>
+        </p:txBody>
+      </p:sp>
+      <p:pic>
+        <p:nvPicPr>
+          <p:cNvPr id="4" name="Picture 3">
+            <a:extLst>
+              <a:ext uri="{FF2B5EF4-FFF2-40B4-BE49-F238E27FC236}">
+                <a16:creationId xmlns:a16="http://schemas.microsoft.com/office/drawing/2014/main" id="{91FCB15F-C805-21B4-2EFE-B1433F66548D}"/>
+              </a:ext>
+            </a:extLst>
+          </p:cNvPr>
+          <p:cNvPicPr>
+            <a:picLocks noChangeAspect="1"/>
+          </p:cNvPicPr>
+          <p:nvPr/>
+        </p:nvPicPr>
+        <p:blipFill>
+          <a:blip r:embed="rId2"/>
+          <a:stretch>
+            <a:fillRect/>
+          </a:stretch>
+        </p:blipFill>
+        <p:spPr>
+          <a:xfrm>
+            <a:off x="0" y="225835"/>
+            <a:ext cx="12192000" cy="6406329"/>
+          </a:xfrm>
+          <a:prstGeom prst="rect">
+            <a:avLst/>
+          </a:prstGeom>
+        </p:spPr>
+      </p:pic>
     </p:spTree>
     <p:extLst>
       <p:ext uri="{BB962C8B-B14F-4D97-AF65-F5344CB8AC3E}">
-        <p14:creationId xmlns:p14="http://schemas.microsoft.com/office/powerpoint/2010/main" val="2450979852"/>
+        <p14:creationId xmlns:p14="http://schemas.microsoft.com/office/powerpoint/2010/main" val="14717501"/>
       </p:ext>
     </p:extLst>
   </p:cSld>
@@ -4390,10 +4135,40 @@
           <a:chExt cx="0" cy="0"/>
         </a:xfrm>
       </p:grpSpPr>
+      <p:pic>
+        <p:nvPicPr>
+          <p:cNvPr id="2" name="Picture 1">
+            <a:extLst>
+              <a:ext uri="{FF2B5EF4-FFF2-40B4-BE49-F238E27FC236}">
+                <a16:creationId xmlns:a16="http://schemas.microsoft.com/office/drawing/2014/main" id="{993D39E6-C2E0-E146-2289-BB9991BD6983}"/>
+              </a:ext>
+            </a:extLst>
+          </p:cNvPr>
+          <p:cNvPicPr>
+            <a:picLocks noChangeAspect="1"/>
+          </p:cNvPicPr>
+          <p:nvPr/>
+        </p:nvPicPr>
+        <p:blipFill>
+          <a:blip r:embed="rId2"/>
+          <a:stretch>
+            <a:fillRect/>
+          </a:stretch>
+        </p:blipFill>
+        <p:spPr>
+          <a:xfrm>
+            <a:off x="0" y="268771"/>
+            <a:ext cx="12192000" cy="6320458"/>
+          </a:xfrm>
+          <a:prstGeom prst="rect">
+            <a:avLst/>
+          </a:prstGeom>
+        </p:spPr>
+      </p:pic>
     </p:spTree>
     <p:extLst>
       <p:ext uri="{BB962C8B-B14F-4D97-AF65-F5344CB8AC3E}">
-        <p14:creationId xmlns:p14="http://schemas.microsoft.com/office/powerpoint/2010/main" val="3332194525"/>
+        <p14:creationId xmlns:p14="http://schemas.microsoft.com/office/powerpoint/2010/main" val="2450979852"/>
       </p:ext>
     </p:extLst>
   </p:cSld>
@@ -4426,10 +4201,40 @@
           <a:chExt cx="0" cy="0"/>
         </a:xfrm>
       </p:grpSpPr>
+      <p:pic>
+        <p:nvPicPr>
+          <p:cNvPr id="2" name="Picture 1">
+            <a:extLst>
+              <a:ext uri="{FF2B5EF4-FFF2-40B4-BE49-F238E27FC236}">
+                <a16:creationId xmlns:a16="http://schemas.microsoft.com/office/drawing/2014/main" id="{67F9EC9F-9D3F-12D1-45A3-DE91A01FBBC9}"/>
+              </a:ext>
+            </a:extLst>
+          </p:cNvPr>
+          <p:cNvPicPr>
+            <a:picLocks noChangeAspect="1"/>
+          </p:cNvPicPr>
+          <p:nvPr/>
+        </p:nvPicPr>
+        <p:blipFill>
+          <a:blip r:embed="rId2"/>
+          <a:stretch>
+            <a:fillRect/>
+          </a:stretch>
+        </p:blipFill>
+        <p:spPr>
+          <a:xfrm>
+            <a:off x="0" y="265208"/>
+            <a:ext cx="12192000" cy="6327584"/>
+          </a:xfrm>
+          <a:prstGeom prst="rect">
+            <a:avLst/>
+          </a:prstGeom>
+        </p:spPr>
+      </p:pic>
     </p:spTree>
     <p:extLst>
       <p:ext uri="{BB962C8B-B14F-4D97-AF65-F5344CB8AC3E}">
-        <p14:creationId xmlns:p14="http://schemas.microsoft.com/office/powerpoint/2010/main" val="48174116"/>
+        <p14:creationId xmlns:p14="http://schemas.microsoft.com/office/powerpoint/2010/main" val="3332194525"/>
       </p:ext>
     </p:extLst>
   </p:cSld>
